--- a/Final Project/Grammar correction App/Project3.pptx
+++ b/Final Project/Grammar correction App/Project3.pptx
@@ -10473,7 +10473,7 @@
         </p:nvSpPr>
         <p:spPr>
           <a:xfrm>
-            <a:off x="1797666" y="770965"/>
+            <a:off x="1091815" y="589424"/>
             <a:ext cx="8596668" cy="775447"/>
           </a:xfrm>
         </p:spPr>
@@ -10510,7 +10510,7 @@
         </p:nvSpPr>
         <p:spPr>
           <a:xfrm>
-            <a:off x="1474936" y="2141445"/>
+            <a:off x="842924" y="2050675"/>
             <a:ext cx="8596668" cy="1035423"/>
           </a:xfrm>
         </p:spPr>

--- a/Final Project/Grammar correction App/Project3.pptx
+++ b/Final Project/Grammar correction App/Project3.pptx
@@ -11,13 +11,12 @@
     <p:sldId id="266" r:id="rId5"/>
     <p:sldId id="258" r:id="rId6"/>
     <p:sldId id="261" r:id="rId7"/>
-    <p:sldId id="272" r:id="rId8"/>
-    <p:sldId id="267" r:id="rId9"/>
-    <p:sldId id="270" r:id="rId10"/>
-    <p:sldId id="275" r:id="rId11"/>
-    <p:sldId id="274" r:id="rId12"/>
-    <p:sldId id="269" r:id="rId13"/>
-    <p:sldId id="259" r:id="rId14"/>
+    <p:sldId id="267" r:id="rId8"/>
+    <p:sldId id="270" r:id="rId9"/>
+    <p:sldId id="275" r:id="rId10"/>
+    <p:sldId id="274" r:id="rId11"/>
+    <p:sldId id="269" r:id="rId12"/>
+    <p:sldId id="259" r:id="rId13"/>
   </p:sldIdLst>
   <p:sldSz cx="12192000" cy="6858000"/>
   <p:notesSz cx="6858000" cy="9144000"/>
@@ -127,7 +126,6 @@
             <p14:sldId id="266"/>
             <p14:sldId id="258"/>
             <p14:sldId id="261"/>
-            <p14:sldId id="272"/>
             <p14:sldId id="267"/>
             <p14:sldId id="270"/>
             <p14:sldId id="275"/>
@@ -4870,7 +4868,7 @@
           <a:p>
             <a:fld id="{64886C2A-5466-42E6-9BEB-D2A0B7B9B4AB}" type="datetimeFigureOut">
               <a:rPr lang="en-IN" smtClean="0"/>
-              <a:t>22-04-2024</a:t>
+              <a:t>27-04-2024</a:t>
             </a:fld>
             <a:endParaRPr lang="en-IN"/>
           </a:p>
@@ -5121,7 +5119,7 @@
           <a:p>
             <a:fld id="{64886C2A-5466-42E6-9BEB-D2A0B7B9B4AB}" type="datetimeFigureOut">
               <a:rPr lang="en-IN" smtClean="0"/>
-              <a:t>22-04-2024</a:t>
+              <a:t>27-04-2024</a:t>
             </a:fld>
             <a:endParaRPr lang="en-IN"/>
           </a:p>
@@ -5435,7 +5433,7 @@
           <a:p>
             <a:fld id="{64886C2A-5466-42E6-9BEB-D2A0B7B9B4AB}" type="datetimeFigureOut">
               <a:rPr lang="en-IN" smtClean="0"/>
-              <a:t>22-04-2024</a:t>
+              <a:t>27-04-2024</a:t>
             </a:fld>
             <a:endParaRPr lang="en-IN"/>
           </a:p>
@@ -5768,7 +5766,7 @@
           <a:p>
             <a:fld id="{64886C2A-5466-42E6-9BEB-D2A0B7B9B4AB}" type="datetimeFigureOut">
               <a:rPr lang="en-IN" smtClean="0"/>
-              <a:t>22-04-2024</a:t>
+              <a:t>27-04-2024</a:t>
             </a:fld>
             <a:endParaRPr lang="en-IN"/>
           </a:p>
@@ -6082,7 +6080,7 @@
           <a:p>
             <a:fld id="{64886C2A-5466-42E6-9BEB-D2A0B7B9B4AB}" type="datetimeFigureOut">
               <a:rPr lang="en-IN" smtClean="0"/>
-              <a:t>22-04-2024</a:t>
+              <a:t>27-04-2024</a:t>
             </a:fld>
             <a:endParaRPr lang="en-IN"/>
           </a:p>
@@ -6475,7 +6473,7 @@
           <a:p>
             <a:fld id="{64886C2A-5466-42E6-9BEB-D2A0B7B9B4AB}" type="datetimeFigureOut">
               <a:rPr lang="en-IN" smtClean="0"/>
-              <a:t>22-04-2024</a:t>
+              <a:t>27-04-2024</a:t>
             </a:fld>
             <a:endParaRPr lang="en-IN"/>
           </a:p>
@@ -6645,7 +6643,7 @@
           <a:p>
             <a:fld id="{64886C2A-5466-42E6-9BEB-D2A0B7B9B4AB}" type="datetimeFigureOut">
               <a:rPr lang="en-IN" smtClean="0"/>
-              <a:t>22-04-2024</a:t>
+              <a:t>27-04-2024</a:t>
             </a:fld>
             <a:endParaRPr lang="en-IN"/>
           </a:p>
@@ -6825,7 +6823,7 @@
           <a:p>
             <a:fld id="{64886C2A-5466-42E6-9BEB-D2A0B7B9B4AB}" type="datetimeFigureOut">
               <a:rPr lang="en-IN" smtClean="0"/>
-              <a:t>22-04-2024</a:t>
+              <a:t>27-04-2024</a:t>
             </a:fld>
             <a:endParaRPr lang="en-IN"/>
           </a:p>
@@ -6995,7 +6993,7 @@
           <a:p>
             <a:fld id="{64886C2A-5466-42E6-9BEB-D2A0B7B9B4AB}" type="datetimeFigureOut">
               <a:rPr lang="en-IN" smtClean="0"/>
-              <a:t>22-04-2024</a:t>
+              <a:t>27-04-2024</a:t>
             </a:fld>
             <a:endParaRPr lang="en-IN"/>
           </a:p>
@@ -7242,7 +7240,7 @@
           <a:p>
             <a:fld id="{64886C2A-5466-42E6-9BEB-D2A0B7B9B4AB}" type="datetimeFigureOut">
               <a:rPr lang="en-IN" smtClean="0"/>
-              <a:t>22-04-2024</a:t>
+              <a:t>27-04-2024</a:t>
             </a:fld>
             <a:endParaRPr lang="en-IN"/>
           </a:p>
@@ -7474,7 +7472,7 @@
           <a:p>
             <a:fld id="{64886C2A-5466-42E6-9BEB-D2A0B7B9B4AB}" type="datetimeFigureOut">
               <a:rPr lang="en-IN" smtClean="0"/>
-              <a:t>22-04-2024</a:t>
+              <a:t>27-04-2024</a:t>
             </a:fld>
             <a:endParaRPr lang="en-IN"/>
           </a:p>
@@ -7848,7 +7846,7 @@
           <a:p>
             <a:fld id="{64886C2A-5466-42E6-9BEB-D2A0B7B9B4AB}" type="datetimeFigureOut">
               <a:rPr lang="en-IN" smtClean="0"/>
-              <a:t>22-04-2024</a:t>
+              <a:t>27-04-2024</a:t>
             </a:fld>
             <a:endParaRPr lang="en-IN"/>
           </a:p>
@@ -7971,7 +7969,7 @@
           <a:p>
             <a:fld id="{64886C2A-5466-42E6-9BEB-D2A0B7B9B4AB}" type="datetimeFigureOut">
               <a:rPr lang="en-IN" smtClean="0"/>
-              <a:t>22-04-2024</a:t>
+              <a:t>27-04-2024</a:t>
             </a:fld>
             <a:endParaRPr lang="en-IN"/>
           </a:p>
@@ -8066,7 +8064,7 @@
           <a:p>
             <a:fld id="{64886C2A-5466-42E6-9BEB-D2A0B7B9B4AB}" type="datetimeFigureOut">
               <a:rPr lang="en-IN" smtClean="0"/>
-              <a:t>22-04-2024</a:t>
+              <a:t>27-04-2024</a:t>
             </a:fld>
             <a:endParaRPr lang="en-IN"/>
           </a:p>
@@ -8321,7 +8319,7 @@
           <a:p>
             <a:fld id="{64886C2A-5466-42E6-9BEB-D2A0B7B9B4AB}" type="datetimeFigureOut">
               <a:rPr lang="en-IN" smtClean="0"/>
-              <a:t>22-04-2024</a:t>
+              <a:t>27-04-2024</a:t>
             </a:fld>
             <a:endParaRPr lang="en-IN"/>
           </a:p>
@@ -8626,7 +8624,7 @@
           <a:p>
             <a:fld id="{64886C2A-5466-42E6-9BEB-D2A0B7B9B4AB}" type="datetimeFigureOut">
               <a:rPr lang="en-IN" smtClean="0"/>
-              <a:t>22-04-2024</a:t>
+              <a:t>27-04-2024</a:t>
             </a:fld>
             <a:endParaRPr lang="en-IN"/>
           </a:p>
@@ -9328,7 +9326,7 @@
           <a:p>
             <a:fld id="{64886C2A-5466-42E6-9BEB-D2A0B7B9B4AB}" type="datetimeFigureOut">
               <a:rPr lang="en-IN" smtClean="0"/>
-              <a:t>22-04-2024</a:t>
+              <a:t>27-04-2024</a:t>
             </a:fld>
             <a:endParaRPr lang="en-IN"/>
           </a:p>
@@ -10165,143 +10163,6 @@
           <p:cNvPr id="2" name="Title 1">
             <a:extLst>
               <a:ext uri="{FF2B5EF4-FFF2-40B4-BE49-F238E27FC236}">
-                <a16:creationId xmlns:a16="http://schemas.microsoft.com/office/drawing/2014/main" id="{FC8A3809-5152-4D9C-A677-0CFBAF991741}"/>
-              </a:ext>
-            </a:extLst>
-          </p:cNvPr>
-          <p:cNvSpPr>
-            <a:spLocks noGrp="1"/>
-          </p:cNvSpPr>
-          <p:nvPr>
-            <p:ph type="title"/>
-          </p:nvPr>
-        </p:nvSpPr>
-        <p:spPr>
-          <a:xfrm>
-            <a:off x="843607" y="609600"/>
-            <a:ext cx="8596668" cy="788894"/>
-          </a:xfrm>
-        </p:spPr>
-        <p:txBody>
-          <a:bodyPr/>
-          <a:lstStyle/>
-          <a:p>
-            <a:pPr algn="ctr"/>
-            <a:r>
-              <a:rPr lang="en-GB" dirty="0"/>
-              <a:t>Accuracy</a:t>
-            </a:r>
-            <a:endParaRPr lang="en-IN" dirty="0"/>
-          </a:p>
-        </p:txBody>
-      </p:sp>
-      <p:sp>
-        <p:nvSpPr>
-          <p:cNvPr id="3" name="Content Placeholder 2">
-            <a:extLst>
-              <a:ext uri="{FF2B5EF4-FFF2-40B4-BE49-F238E27FC236}">
-                <a16:creationId xmlns:a16="http://schemas.microsoft.com/office/drawing/2014/main" id="{3AC3621D-DBBA-409F-A161-9CA38484FF22}"/>
-              </a:ext>
-            </a:extLst>
-          </p:cNvPr>
-          <p:cNvSpPr>
-            <a:spLocks noGrp="1"/>
-          </p:cNvSpPr>
-          <p:nvPr>
-            <p:ph idx="1"/>
-          </p:nvPr>
-        </p:nvSpPr>
-        <p:spPr>
-          <a:xfrm>
-            <a:off x="677334" y="1826607"/>
-            <a:ext cx="8596668" cy="448140"/>
-          </a:xfrm>
-        </p:spPr>
-        <p:txBody>
-          <a:bodyPr>
-            <a:normAutofit lnSpcReduction="10000"/>
-          </a:bodyPr>
-          <a:lstStyle/>
-          <a:p>
-            <a:r>
-              <a:rPr lang="en-GB" sz="2500" dirty="0"/>
-              <a:t>The accuracy of the model is 87.85%.</a:t>
-            </a:r>
-            <a:endParaRPr lang="en-IN" sz="2500" dirty="0"/>
-          </a:p>
-        </p:txBody>
-      </p:sp>
-      <p:pic>
-        <p:nvPicPr>
-          <p:cNvPr id="5" name="Picture 4">
-            <a:extLst>
-              <a:ext uri="{FF2B5EF4-FFF2-40B4-BE49-F238E27FC236}">
-                <a16:creationId xmlns:a16="http://schemas.microsoft.com/office/drawing/2014/main" id="{0F0990B1-760E-47DC-9C21-9DB1EB75FC14}"/>
-              </a:ext>
-            </a:extLst>
-          </p:cNvPr>
-          <p:cNvPicPr>
-            <a:picLocks noChangeAspect="1"/>
-          </p:cNvPicPr>
-          <p:nvPr/>
-        </p:nvPicPr>
-        <p:blipFill>
-          <a:blip r:embed="rId2">
-            <a:extLst>
-              <a:ext uri="{28A0092B-C50C-407E-A947-70E740481C1C}">
-                <a14:useLocalDpi xmlns:a14="http://schemas.microsoft.com/office/drawing/2010/main" val="0"/>
-              </a:ext>
-            </a:extLst>
-          </a:blip>
-          <a:stretch>
-            <a:fillRect/>
-          </a:stretch>
-        </p:blipFill>
-        <p:spPr>
-          <a:xfrm>
-            <a:off x="1009881" y="2702860"/>
-            <a:ext cx="8264121" cy="3765176"/>
-          </a:xfrm>
-          <a:prstGeom prst="rect">
-            <a:avLst/>
-          </a:prstGeom>
-        </p:spPr>
-      </p:pic>
-    </p:spTree>
-    <p:extLst>
-      <p:ext uri="{BB962C8B-B14F-4D97-AF65-F5344CB8AC3E}">
-        <p14:creationId xmlns:p14="http://schemas.microsoft.com/office/powerpoint/2010/main" val="2825619089"/>
-      </p:ext>
-    </p:extLst>
-  </p:cSld>
-  <p:clrMapOvr>
-    <a:masterClrMapping/>
-  </p:clrMapOvr>
-</p:sld>
-</file>
-
-<file path=ppt/slides/slide11.xml><?xml version="1.0" encoding="utf-8"?>
-<p:sld xmlns:a="http://schemas.openxmlformats.org/drawingml/2006/main" xmlns:r="http://schemas.openxmlformats.org/officeDocument/2006/relationships" xmlns:p="http://schemas.openxmlformats.org/presentationml/2006/main">
-  <p:cSld>
-    <p:spTree>
-      <p:nvGrpSpPr>
-        <p:cNvPr id="1" name=""/>
-        <p:cNvGrpSpPr/>
-        <p:nvPr/>
-      </p:nvGrpSpPr>
-      <p:grpSpPr>
-        <a:xfrm>
-          <a:off x="0" y="0"/>
-          <a:ext cx="0" cy="0"/>
-          <a:chOff x="0" y="0"/>
-          <a:chExt cx="0" cy="0"/>
-        </a:xfrm>
-      </p:grpSpPr>
-      <p:sp>
-        <p:nvSpPr>
-          <p:cNvPr id="2" name="Title 1">
-            <a:extLst>
-              <a:ext uri="{FF2B5EF4-FFF2-40B4-BE49-F238E27FC236}">
                 <a16:creationId xmlns:a16="http://schemas.microsoft.com/office/drawing/2014/main" id="{A36DEDDF-0FA7-4FD2-906B-5E01BEF8E0E5}"/>
               </a:ext>
             </a:extLst>
@@ -10438,7 +10299,7 @@
 </p:sld>
 </file>
 
-<file path=ppt/slides/slide12.xml><?xml version="1.0" encoding="utf-8"?>
+<file path=ppt/slides/slide11.xml><?xml version="1.0" encoding="utf-8"?>
 <p:sld xmlns:a="http://schemas.openxmlformats.org/drawingml/2006/main" xmlns:r="http://schemas.openxmlformats.org/officeDocument/2006/relationships" xmlns:p="http://schemas.openxmlformats.org/presentationml/2006/main">
   <p:cSld>
     <p:spTree>
@@ -10830,7 +10691,7 @@
 </p:sld>
 </file>
 
-<file path=ppt/slides/slide13.xml><?xml version="1.0" encoding="utf-8"?>
+<file path=ppt/slides/slide12.xml><?xml version="1.0" encoding="utf-8"?>
 <p:sld xmlns:a="http://schemas.openxmlformats.org/drawingml/2006/main" xmlns:r="http://schemas.openxmlformats.org/officeDocument/2006/relationships" xmlns:p="http://schemas.openxmlformats.org/presentationml/2006/main">
   <p:cSld>
     <p:spTree>
@@ -11534,103 +11395,6 @@
           <p:cNvPr id="2" name="Title 1">
             <a:extLst>
               <a:ext uri="{FF2B5EF4-FFF2-40B4-BE49-F238E27FC236}">
-                <a16:creationId xmlns:a16="http://schemas.microsoft.com/office/drawing/2014/main" id="{DEED615D-F349-4682-B707-53931EE3FFD5}"/>
-              </a:ext>
-            </a:extLst>
-          </p:cNvPr>
-          <p:cNvSpPr>
-            <a:spLocks noGrp="1"/>
-          </p:cNvSpPr>
-          <p:nvPr>
-            <p:ph type="title"/>
-          </p:nvPr>
-        </p:nvSpPr>
-        <p:spPr>
-          <a:xfrm>
-            <a:off x="0" y="672353"/>
-            <a:ext cx="12192000" cy="672353"/>
-          </a:xfrm>
-        </p:spPr>
-        <p:txBody>
-          <a:bodyPr>
-            <a:normAutofit/>
-          </a:bodyPr>
-          <a:lstStyle/>
-          <a:p>
-            <a:pPr algn="ctr"/>
-            <a:r>
-              <a:rPr lang="en-GB" dirty="0"/>
-              <a:t>BERT Architecture</a:t>
-            </a:r>
-            <a:endParaRPr lang="en-IN" dirty="0"/>
-          </a:p>
-        </p:txBody>
-      </p:sp>
-      <p:pic>
-        <p:nvPicPr>
-          <p:cNvPr id="8" name="Picture 7">
-            <a:extLst>
-              <a:ext uri="{FF2B5EF4-FFF2-40B4-BE49-F238E27FC236}">
-                <a16:creationId xmlns:a16="http://schemas.microsoft.com/office/drawing/2014/main" id="{55C631B3-2DC2-4D6E-B358-A79118A44C60}"/>
-              </a:ext>
-            </a:extLst>
-          </p:cNvPr>
-          <p:cNvPicPr>
-            <a:picLocks noChangeAspect="1"/>
-          </p:cNvPicPr>
-          <p:nvPr/>
-        </p:nvPicPr>
-        <p:blipFill>
-          <a:blip r:embed="rId2"/>
-          <a:stretch>
-            <a:fillRect/>
-          </a:stretch>
-        </p:blipFill>
-        <p:spPr>
-          <a:xfrm>
-            <a:off x="1083608" y="1828668"/>
-            <a:ext cx="10024783" cy="4356979"/>
-          </a:xfrm>
-          <a:prstGeom prst="rect">
-            <a:avLst/>
-          </a:prstGeom>
-        </p:spPr>
-      </p:pic>
-    </p:spTree>
-    <p:extLst>
-      <p:ext uri="{BB962C8B-B14F-4D97-AF65-F5344CB8AC3E}">
-        <p14:creationId xmlns:p14="http://schemas.microsoft.com/office/powerpoint/2010/main" val="3503059675"/>
-      </p:ext>
-    </p:extLst>
-  </p:cSld>
-  <p:clrMapOvr>
-    <a:masterClrMapping/>
-  </p:clrMapOvr>
-</p:sld>
-</file>
-
-<file path=ppt/slides/slide8.xml><?xml version="1.0" encoding="utf-8"?>
-<p:sld xmlns:a="http://schemas.openxmlformats.org/drawingml/2006/main" xmlns:r="http://schemas.openxmlformats.org/officeDocument/2006/relationships" xmlns:p="http://schemas.openxmlformats.org/presentationml/2006/main">
-  <p:cSld>
-    <p:spTree>
-      <p:nvGrpSpPr>
-        <p:cNvPr id="1" name=""/>
-        <p:cNvGrpSpPr/>
-        <p:nvPr/>
-      </p:nvGrpSpPr>
-      <p:grpSpPr>
-        <a:xfrm>
-          <a:off x="0" y="0"/>
-          <a:ext cx="0" cy="0"/>
-          <a:chOff x="0" y="0"/>
-          <a:chExt cx="0" cy="0"/>
-        </a:xfrm>
-      </p:grpSpPr>
-      <p:sp>
-        <p:nvSpPr>
-          <p:cNvPr id="2" name="Title 1">
-            <a:extLst>
-              <a:ext uri="{FF2B5EF4-FFF2-40B4-BE49-F238E27FC236}">
                 <a16:creationId xmlns:a16="http://schemas.microsoft.com/office/drawing/2014/main" id="{2C99DF4C-2D25-4F84-9F39-EA24B67399F2}"/>
               </a:ext>
             </a:extLst>
@@ -11657,7 +11421,7 @@
             <a:pPr algn="ctr"/>
             <a:r>
               <a:rPr lang="en-GB" dirty="0"/>
-              <a:t>Model</a:t>
+              <a:t>BERT Model</a:t>
             </a:r>
             <a:endParaRPr lang="en-IN" dirty="0"/>
           </a:p>
@@ -11729,7 +11493,7 @@
 </p:sld>
 </file>
 
-<file path=ppt/slides/slide9.xml><?xml version="1.0" encoding="utf-8"?>
+<file path=ppt/slides/slide8.xml><?xml version="1.0" encoding="utf-8"?>
 <p:sld xmlns:a="http://schemas.openxmlformats.org/drawingml/2006/main" xmlns:r="http://schemas.openxmlformats.org/officeDocument/2006/relationships" xmlns:p="http://schemas.openxmlformats.org/presentationml/2006/main">
   <p:cSld>
     <p:spTree>
@@ -11818,6 +11582,143 @@
     <p:extLst>
       <p:ext uri="{BB962C8B-B14F-4D97-AF65-F5344CB8AC3E}">
         <p14:creationId xmlns:p14="http://schemas.microsoft.com/office/powerpoint/2010/main" val="1806415143"/>
+      </p:ext>
+    </p:extLst>
+  </p:cSld>
+  <p:clrMapOvr>
+    <a:masterClrMapping/>
+  </p:clrMapOvr>
+</p:sld>
+</file>
+
+<file path=ppt/slides/slide9.xml><?xml version="1.0" encoding="utf-8"?>
+<p:sld xmlns:a="http://schemas.openxmlformats.org/drawingml/2006/main" xmlns:r="http://schemas.openxmlformats.org/officeDocument/2006/relationships" xmlns:p="http://schemas.openxmlformats.org/presentationml/2006/main">
+  <p:cSld>
+    <p:spTree>
+      <p:nvGrpSpPr>
+        <p:cNvPr id="1" name=""/>
+        <p:cNvGrpSpPr/>
+        <p:nvPr/>
+      </p:nvGrpSpPr>
+      <p:grpSpPr>
+        <a:xfrm>
+          <a:off x="0" y="0"/>
+          <a:ext cx="0" cy="0"/>
+          <a:chOff x="0" y="0"/>
+          <a:chExt cx="0" cy="0"/>
+        </a:xfrm>
+      </p:grpSpPr>
+      <p:sp>
+        <p:nvSpPr>
+          <p:cNvPr id="2" name="Title 1">
+            <a:extLst>
+              <a:ext uri="{FF2B5EF4-FFF2-40B4-BE49-F238E27FC236}">
+                <a16:creationId xmlns:a16="http://schemas.microsoft.com/office/drawing/2014/main" id="{FC8A3809-5152-4D9C-A677-0CFBAF991741}"/>
+              </a:ext>
+            </a:extLst>
+          </p:cNvPr>
+          <p:cNvSpPr>
+            <a:spLocks noGrp="1"/>
+          </p:cNvSpPr>
+          <p:nvPr>
+            <p:ph type="title"/>
+          </p:nvPr>
+        </p:nvSpPr>
+        <p:spPr>
+          <a:xfrm>
+            <a:off x="843607" y="609600"/>
+            <a:ext cx="8596668" cy="788894"/>
+          </a:xfrm>
+        </p:spPr>
+        <p:txBody>
+          <a:bodyPr/>
+          <a:lstStyle/>
+          <a:p>
+            <a:pPr algn="ctr"/>
+            <a:r>
+              <a:rPr lang="en-GB" dirty="0"/>
+              <a:t>Accuracy</a:t>
+            </a:r>
+            <a:endParaRPr lang="en-IN" dirty="0"/>
+          </a:p>
+        </p:txBody>
+      </p:sp>
+      <p:sp>
+        <p:nvSpPr>
+          <p:cNvPr id="3" name="Content Placeholder 2">
+            <a:extLst>
+              <a:ext uri="{FF2B5EF4-FFF2-40B4-BE49-F238E27FC236}">
+                <a16:creationId xmlns:a16="http://schemas.microsoft.com/office/drawing/2014/main" id="{3AC3621D-DBBA-409F-A161-9CA38484FF22}"/>
+              </a:ext>
+            </a:extLst>
+          </p:cNvPr>
+          <p:cNvSpPr>
+            <a:spLocks noGrp="1"/>
+          </p:cNvSpPr>
+          <p:nvPr>
+            <p:ph idx="1"/>
+          </p:nvPr>
+        </p:nvSpPr>
+        <p:spPr>
+          <a:xfrm>
+            <a:off x="677334" y="1826607"/>
+            <a:ext cx="8596668" cy="448140"/>
+          </a:xfrm>
+        </p:spPr>
+        <p:txBody>
+          <a:bodyPr>
+            <a:normAutofit lnSpcReduction="10000"/>
+          </a:bodyPr>
+          <a:lstStyle/>
+          <a:p>
+            <a:r>
+              <a:rPr lang="en-GB" sz="2500" dirty="0"/>
+              <a:t>The accuracy of the model is 87.85%.</a:t>
+            </a:r>
+            <a:endParaRPr lang="en-IN" sz="2500" dirty="0"/>
+          </a:p>
+        </p:txBody>
+      </p:sp>
+      <p:pic>
+        <p:nvPicPr>
+          <p:cNvPr id="5" name="Picture 4">
+            <a:extLst>
+              <a:ext uri="{FF2B5EF4-FFF2-40B4-BE49-F238E27FC236}">
+                <a16:creationId xmlns:a16="http://schemas.microsoft.com/office/drawing/2014/main" id="{0F0990B1-760E-47DC-9C21-9DB1EB75FC14}"/>
+              </a:ext>
+            </a:extLst>
+          </p:cNvPr>
+          <p:cNvPicPr>
+            <a:picLocks noChangeAspect="1"/>
+          </p:cNvPicPr>
+          <p:nvPr/>
+        </p:nvPicPr>
+        <p:blipFill>
+          <a:blip r:embed="rId2">
+            <a:extLst>
+              <a:ext uri="{28A0092B-C50C-407E-A947-70E740481C1C}">
+                <a14:useLocalDpi xmlns:a14="http://schemas.microsoft.com/office/drawing/2010/main" val="0"/>
+              </a:ext>
+            </a:extLst>
+          </a:blip>
+          <a:stretch>
+            <a:fillRect/>
+          </a:stretch>
+        </p:blipFill>
+        <p:spPr>
+          <a:xfrm>
+            <a:off x="1009881" y="2702860"/>
+            <a:ext cx="8264121" cy="3765176"/>
+          </a:xfrm>
+          <a:prstGeom prst="rect">
+            <a:avLst/>
+          </a:prstGeom>
+        </p:spPr>
+      </p:pic>
+    </p:spTree>
+    <p:extLst>
+      <p:ext uri="{BB962C8B-B14F-4D97-AF65-F5344CB8AC3E}">
+        <p14:creationId xmlns:p14="http://schemas.microsoft.com/office/powerpoint/2010/main" val="2825619089"/>
       </p:ext>
     </p:extLst>
   </p:cSld>

--- a/Final Project/Grammar correction App/Project3.pptx
+++ b/Final Project/Grammar correction App/Project3.pptx
@@ -10372,7 +10372,7 @@
         <p:spPr>
           <a:xfrm>
             <a:off x="842924" y="2050675"/>
-            <a:ext cx="8596668" cy="1035423"/>
+            <a:ext cx="8596668" cy="1526243"/>
           </a:xfrm>
         </p:spPr>
         <p:txBody>
@@ -10383,7 +10383,7 @@
           <a:p>
             <a:r>
               <a:rPr lang="en-GB" sz="2500" dirty="0"/>
-              <a:t>The grammar correction app was able to correct the grammar mistakes.  </a:t>
+              <a:t>The grammar correction app was able to correct the grammar mistakes for most of the sentence but can improved by training with larger dataset.  </a:t>
             </a:r>
             <a:endParaRPr lang="en-IN" sz="2500" dirty="0"/>
           </a:p>
